--- a/Capstone Design/발표자료/중간발표/분노의주먹_우성준_박찬휘_함범호.pptx
+++ b/Capstone Design/발표자료/중간발표/분노의주먹_우성준_박찬휘_함범호.pptx
@@ -2,7 +2,7 @@
 <file path=ppt/presentation.xml><?xml version="1.0" encoding="utf-8"?>
 <p:presentation xmlns:r="http://schemas.openxmlformats.org/officeDocument/2006/relationships" xmlns:c="http://schemas.openxmlformats.org/drawingml/2006/chart" xmlns:a="http://schemas.openxmlformats.org/drawingml/2006/main" xmlns:dgm="http://schemas.openxmlformats.org/drawingml/2006/diagram" xmlns:dsp="http://schemas.microsoft.com/office/drawing/2008/diagram" xmlns:p="http://schemas.openxmlformats.org/presentationml/2006/main" showSpecialPlsOnTitleSld="0" strictFirstAndLastChars="0" autoCompressPictures="0">
   <p:sldMasterIdLst>
-    <p:sldMasterId id="2147483674" r:id="rId1"/>
+    <p:sldMasterId id="2147483655" r:id="rId1"/>
   </p:sldMasterIdLst>
   <p:notesMasterIdLst>
     <p:notesMasterId r:id="rId2"/>
@@ -7917,177 +7917,6 @@
                 <a:cs typeface="Lato"/>
                 <a:sym typeface="Lato"/>
               </a:rPr>
-              <a:t> 게임 컨텐츠 추가</a:t>
-            </a:r>
-            <a:endParaRPr xmlns:mc="http://schemas.openxmlformats.org/markup-compatibility/2006" xmlns:hp="http://schemas.haansoft.com/office/presentation/8.0" kumimoji="0" lang="ko-KR" altLang="en-US" sz="1500" b="1" i="0" u="none" strike="noStrike" kern="0" cap="none" spc="0" normalizeH="0" baseline="0" mc:Ignorable="hp" hp:hslEmbossed="0">
-              <a:solidFill>
-                <a:srgbClr val="343a40"/>
-              </a:solidFill>
-              <a:latin typeface="Lato"/>
-              <a:ea typeface="Lato"/>
-              <a:cs typeface="Lato"/>
-              <a:sym typeface="Lato"/>
-            </a:endParaRPr>
-          </a:p>
-          <a:p>
-            <a:pPr marL="0" marR="0" lvl="0" indent="0" algn="l" rtl="0" eaLnBrk="1" latinLnBrk="0" hangingPunct="1">
-              <a:lnSpc>
-                <a:spcPct val="100000"/>
-              </a:lnSpc>
-              <a:spcBef>
-                <a:spcPts val="600"/>
-              </a:spcBef>
-              <a:spcAft>
-                <a:spcPts val="0"/>
-              </a:spcAft>
-              <a:buClr>
-                <a:srgbClr val="000000"/>
-              </a:buClr>
-              <a:buFont typeface="Arial"/>
-              <a:buFontTx/>
-              <a:buNone/>
-              <a:defRPr/>
-            </a:pPr>
-            <a:r>
-              <a:rPr xmlns:mc="http://schemas.openxmlformats.org/markup-compatibility/2006" xmlns:hp="http://schemas.haansoft.com/office/presentation/8.0" kumimoji="0" lang="ko-KR" altLang="en-US" sz="1500" b="0" i="0" u="none" strike="noStrike" kern="0" cap="none" spc="0" normalizeH="0" baseline="0" mc:Ignorable="hp" hp:hslEmbossed="0">
-                <a:solidFill>
-                  <a:srgbClr val="343a40"/>
-                </a:solidFill>
-                <a:latin typeface="Lato"/>
-                <a:ea typeface="Lato"/>
-                <a:cs typeface="Lato"/>
-                <a:sym typeface="Lato"/>
-              </a:rPr>
-              <a:t>  </a:t>
-            </a:r>
-            <a:r>
-              <a:rPr xmlns:mc="http://schemas.openxmlformats.org/markup-compatibility/2006" xmlns:hp="http://schemas.haansoft.com/office/presentation/8.0" kumimoji="0" lang="en-US" altLang="ko-KR" sz="1500" b="0" i="0" u="none" strike="noStrike" kern="0" cap="none" spc="0" normalizeH="0" baseline="0" mc:Ignorable="hp" hp:hslEmbossed="0">
-                <a:solidFill>
-                  <a:srgbClr val="343a40"/>
-                </a:solidFill>
-                <a:latin typeface="Lato"/>
-                <a:ea typeface="Lato"/>
-                <a:cs typeface="Lato"/>
-                <a:sym typeface="Lato"/>
-              </a:rPr>
-              <a:t>-</a:t>
-            </a:r>
-            <a:r>
-              <a:rPr xmlns:mc="http://schemas.openxmlformats.org/markup-compatibility/2006" xmlns:hp="http://schemas.haansoft.com/office/presentation/8.0" kumimoji="0" lang="ko-KR" altLang="en-US" sz="1500" b="0" i="0" u="none" strike="noStrike" kern="0" cap="none" spc="0" normalizeH="0" baseline="0" mc:Ignorable="hp" hp:hslEmbossed="0">
-                <a:solidFill>
-                  <a:srgbClr val="343a40"/>
-                </a:solidFill>
-                <a:latin typeface="Lato"/>
-                <a:ea typeface="Lato"/>
-                <a:cs typeface="Lato"/>
-                <a:sym typeface="Lato"/>
-              </a:rPr>
-              <a:t> 미션 시스템</a:t>
-            </a:r>
-            <a:r>
-              <a:rPr xmlns:mc="http://schemas.openxmlformats.org/markup-compatibility/2006" xmlns:hp="http://schemas.haansoft.com/office/presentation/8.0" kumimoji="0" lang="en-US" altLang="ko-KR" sz="1500" b="0" i="0" u="none" strike="noStrike" kern="0" cap="none" spc="0" normalizeH="0" baseline="0" mc:Ignorable="hp" hp:hslEmbossed="0">
-                <a:solidFill>
-                  <a:srgbClr val="343a40"/>
-                </a:solidFill>
-                <a:latin typeface="Lato"/>
-                <a:ea typeface="Lato"/>
-                <a:cs typeface="Lato"/>
-                <a:sym typeface="Lato"/>
-              </a:rPr>
-              <a:t>,</a:t>
-            </a:r>
-            <a:r>
-              <a:rPr xmlns:mc="http://schemas.openxmlformats.org/markup-compatibility/2006" xmlns:hp="http://schemas.haansoft.com/office/presentation/8.0" kumimoji="0" lang="ko-KR" altLang="en-US" sz="1500" b="0" i="0" u="none" strike="noStrike" kern="0" cap="none" spc="0" normalizeH="0" baseline="0" mc:Ignorable="hp" hp:hslEmbossed="0">
-                <a:solidFill>
-                  <a:srgbClr val="343a40"/>
-                </a:solidFill>
-                <a:latin typeface="Lato"/>
-                <a:ea typeface="Lato"/>
-                <a:cs typeface="Lato"/>
-                <a:sym typeface="Lato"/>
-              </a:rPr>
-              <a:t> 연계기 추가</a:t>
-            </a:r>
-            <a:endParaRPr xmlns:mc="http://schemas.openxmlformats.org/markup-compatibility/2006" xmlns:hp="http://schemas.haansoft.com/office/presentation/8.0" kumimoji="0" lang="ko-KR" altLang="en-US" sz="1500" b="0" i="0" u="none" strike="noStrike" kern="0" cap="none" spc="0" normalizeH="0" baseline="0" mc:Ignorable="hp" hp:hslEmbossed="0">
-              <a:solidFill>
-                <a:srgbClr val="343a40"/>
-              </a:solidFill>
-              <a:latin typeface="Lato"/>
-              <a:ea typeface="Lato"/>
-              <a:cs typeface="Lato"/>
-              <a:sym typeface="Lato"/>
-            </a:endParaRPr>
-          </a:p>
-          <a:p>
-            <a:pPr marL="0" marR="0" lvl="0" indent="0" algn="l" rtl="0" eaLnBrk="1" latinLnBrk="0" hangingPunct="1">
-              <a:lnSpc>
-                <a:spcPct val="100000"/>
-              </a:lnSpc>
-              <a:spcBef>
-                <a:spcPts val="600"/>
-              </a:spcBef>
-              <a:spcAft>
-                <a:spcPts val="0"/>
-              </a:spcAft>
-              <a:buClr>
-                <a:srgbClr val="000000"/>
-              </a:buClr>
-              <a:buFont typeface="Arial"/>
-              <a:buFontTx/>
-              <a:buNone/>
-              <a:defRPr/>
-            </a:pPr>
-            <a:endParaRPr xmlns:mc="http://schemas.openxmlformats.org/markup-compatibility/2006" xmlns:hp="http://schemas.haansoft.com/office/presentation/8.0" kumimoji="0" lang="ko-KR" altLang="en-US" sz="1500" b="0" i="0" u="none" strike="noStrike" kern="0" cap="none" spc="0" normalizeH="0" baseline="0" mc:Ignorable="hp" hp:hslEmbossed="0">
-              <a:solidFill>
-                <a:srgbClr val="343a40"/>
-              </a:solidFill>
-              <a:latin typeface="Lato"/>
-              <a:ea typeface="Lato"/>
-              <a:cs typeface="Lato"/>
-              <a:sym typeface="Lato"/>
-            </a:endParaRPr>
-          </a:p>
-          <a:p>
-            <a:pPr marL="0" marR="0" lvl="0" indent="0" algn="l" rtl="0" eaLnBrk="1" latinLnBrk="0" hangingPunct="1">
-              <a:lnSpc>
-                <a:spcPct val="100000"/>
-              </a:lnSpc>
-              <a:spcBef>
-                <a:spcPts val="600"/>
-              </a:spcBef>
-              <a:spcAft>
-                <a:spcPts val="0"/>
-              </a:spcAft>
-              <a:buClr>
-                <a:srgbClr val="000000"/>
-              </a:buClr>
-              <a:buFont typeface="Arial"/>
-              <a:buFontTx/>
-              <a:buNone/>
-              <a:defRPr/>
-            </a:pPr>
-            <a:r>
-              <a:rPr xmlns:mc="http://schemas.openxmlformats.org/markup-compatibility/2006" xmlns:hp="http://schemas.haansoft.com/office/presentation/8.0" kumimoji="0" lang="en-US" altLang="ko-KR" sz="1500" b="1" i="0" u="none" strike="noStrike" kern="0" cap="none" spc="0" normalizeH="0" baseline="0" mc:Ignorable="hp" hp:hslEmbossed="0">
-                <a:solidFill>
-                  <a:srgbClr val="343a40"/>
-                </a:solidFill>
-                <a:latin typeface="Lato"/>
-                <a:ea typeface="Lato"/>
-                <a:cs typeface="Lato"/>
-                <a:sym typeface="Lato"/>
-              </a:rPr>
-              <a:t>-</a:t>
-            </a:r>
-            <a:r>
-              <a:rPr xmlns:mc="http://schemas.openxmlformats.org/markup-compatibility/2006" xmlns:hp="http://schemas.haansoft.com/office/presentation/8.0" kumimoji="0" lang="ko-KR" altLang="en-US" sz="1500" b="1" i="0" u="none" strike="noStrike" kern="0" cap="none" spc="0" normalizeH="0" baseline="0" mc:Ignorable="hp" hp:hslEmbossed="0">
-                <a:solidFill>
-                  <a:srgbClr val="343a40"/>
-                </a:solidFill>
-                <a:latin typeface="Lato"/>
-                <a:ea typeface="Lato"/>
-                <a:cs typeface="Lato"/>
-                <a:sym typeface="Lato"/>
-              </a:rPr>
               <a:t> 애니메이션</a:t>
             </a:r>
             <a:r>
@@ -8225,7 +8054,178 @@
                 <a:cs typeface="Lato"/>
                 <a:sym typeface="Lato"/>
               </a:rPr>
-              <a:t> 셰이더 추가</a:t>
+              <a:t> 추가</a:t>
+            </a:r>
+            <a:endParaRPr xmlns:mc="http://schemas.openxmlformats.org/markup-compatibility/2006" xmlns:hp="http://schemas.haansoft.com/office/presentation/8.0" kumimoji="0" lang="en-US" altLang="ko-KR" sz="1500" b="1" i="0" u="none" strike="noStrike" kern="0" cap="none" spc="0" normalizeH="0" baseline="0" mc:Ignorable="hp" hp:hslEmbossed="0">
+              <a:solidFill>
+                <a:srgbClr val="343a40"/>
+              </a:solidFill>
+              <a:latin typeface="Lato"/>
+              <a:ea typeface="Lato"/>
+              <a:cs typeface="Lato"/>
+              <a:sym typeface="Lato"/>
+            </a:endParaRPr>
+          </a:p>
+          <a:p>
+            <a:pPr marL="0" marR="0" lvl="0" indent="0" algn="l" rtl="0" eaLnBrk="1" latinLnBrk="0" hangingPunct="1">
+              <a:lnSpc>
+                <a:spcPct val="100000"/>
+              </a:lnSpc>
+              <a:spcBef>
+                <a:spcPts val="600"/>
+              </a:spcBef>
+              <a:spcAft>
+                <a:spcPts val="0"/>
+              </a:spcAft>
+              <a:buClr>
+                <a:srgbClr val="000000"/>
+              </a:buClr>
+              <a:buFont typeface="Arial"/>
+              <a:buFontTx/>
+              <a:buNone/>
+              <a:defRPr/>
+            </a:pPr>
+            <a:endParaRPr xmlns:mc="http://schemas.openxmlformats.org/markup-compatibility/2006" xmlns:hp="http://schemas.haansoft.com/office/presentation/8.0" kumimoji="0" lang="en-US" altLang="ko-KR" sz="1500" b="1" i="0" u="none" strike="noStrike" kern="0" cap="none" spc="0" normalizeH="0" baseline="0" mc:Ignorable="hp" hp:hslEmbossed="0">
+              <a:solidFill>
+                <a:srgbClr val="343a40"/>
+              </a:solidFill>
+              <a:latin typeface="Lato"/>
+              <a:ea typeface="Lato"/>
+              <a:cs typeface="Lato"/>
+              <a:sym typeface="Lato"/>
+            </a:endParaRPr>
+          </a:p>
+          <a:p>
+            <a:pPr marL="0" marR="0" lvl="0" indent="0" algn="l" rtl="0" eaLnBrk="1" latinLnBrk="0" hangingPunct="1">
+              <a:lnSpc>
+                <a:spcPct val="100000"/>
+              </a:lnSpc>
+              <a:spcBef>
+                <a:spcPts val="600"/>
+              </a:spcBef>
+              <a:spcAft>
+                <a:spcPts val="0"/>
+              </a:spcAft>
+              <a:buClr>
+                <a:srgbClr val="000000"/>
+              </a:buClr>
+              <a:buFont typeface="Arial"/>
+              <a:buFontTx/>
+              <a:buNone/>
+              <a:defRPr/>
+            </a:pPr>
+            <a:r>
+              <a:rPr xmlns:mc="http://schemas.openxmlformats.org/markup-compatibility/2006" xmlns:hp="http://schemas.haansoft.com/office/presentation/8.0" kumimoji="0" lang="en-US" altLang="ko-KR" sz="1500" b="1" i="0" u="none" strike="noStrike" kern="0" cap="none" spc="0" normalizeH="0" baseline="0" mc:Ignorable="hp" hp:hslEmbossed="0">
+                <a:solidFill>
+                  <a:srgbClr val="343a40"/>
+                </a:solidFill>
+                <a:latin typeface="Lato"/>
+                <a:ea typeface="Lato"/>
+                <a:cs typeface="Lato"/>
+                <a:sym typeface="Lato"/>
+              </a:rPr>
+              <a:t>-</a:t>
+            </a:r>
+            <a:r>
+              <a:rPr xmlns:mc="http://schemas.openxmlformats.org/markup-compatibility/2006" xmlns:hp="http://schemas.haansoft.com/office/presentation/8.0" kumimoji="0" lang="ko-KR" altLang="en-US" sz="1500" b="1" i="0" u="none" strike="noStrike" kern="0" cap="none" spc="0" normalizeH="0" baseline="0" mc:Ignorable="hp" hp:hslEmbossed="0">
+                <a:solidFill>
+                  <a:srgbClr val="343a40"/>
+                </a:solidFill>
+                <a:latin typeface="Lato"/>
+                <a:ea typeface="Lato"/>
+                <a:cs typeface="Lato"/>
+                <a:sym typeface="Lato"/>
+              </a:rPr>
+              <a:t> 게임 컨텐츠 추가</a:t>
+            </a:r>
+            <a:endParaRPr xmlns:mc="http://schemas.openxmlformats.org/markup-compatibility/2006" xmlns:hp="http://schemas.haansoft.com/office/presentation/8.0" kumimoji="0" lang="ko-KR" altLang="en-US" sz="1500" b="1" i="0" u="none" strike="noStrike" kern="0" cap="none" spc="0" normalizeH="0" baseline="0" mc:Ignorable="hp" hp:hslEmbossed="0">
+              <a:solidFill>
+                <a:srgbClr val="343a40"/>
+              </a:solidFill>
+              <a:latin typeface="Lato"/>
+              <a:ea typeface="Lato"/>
+              <a:cs typeface="Lato"/>
+              <a:sym typeface="Lato"/>
+            </a:endParaRPr>
+          </a:p>
+          <a:p>
+            <a:pPr marL="0" marR="0" lvl="0" indent="0" algn="l" rtl="0" eaLnBrk="1" latinLnBrk="0" hangingPunct="1">
+              <a:lnSpc>
+                <a:spcPct val="100000"/>
+              </a:lnSpc>
+              <a:spcBef>
+                <a:spcPts val="600"/>
+              </a:spcBef>
+              <a:spcAft>
+                <a:spcPts val="0"/>
+              </a:spcAft>
+              <a:buClr>
+                <a:srgbClr val="000000"/>
+              </a:buClr>
+              <a:buFont typeface="Arial"/>
+              <a:buFontTx/>
+              <a:buNone/>
+              <a:defRPr/>
+            </a:pPr>
+            <a:r>
+              <a:rPr xmlns:mc="http://schemas.openxmlformats.org/markup-compatibility/2006" xmlns:hp="http://schemas.haansoft.com/office/presentation/8.0" kumimoji="0" lang="ko-KR" altLang="en-US" sz="1500" b="0" i="0" u="none" strike="noStrike" kern="0" cap="none" spc="0" normalizeH="0" baseline="0" mc:Ignorable="hp" hp:hslEmbossed="0">
+                <a:solidFill>
+                  <a:srgbClr val="343a40"/>
+                </a:solidFill>
+                <a:latin typeface="Lato"/>
+                <a:ea typeface="Lato"/>
+                <a:cs typeface="Lato"/>
+                <a:sym typeface="Lato"/>
+              </a:rPr>
+              <a:t>  </a:t>
+            </a:r>
+            <a:r>
+              <a:rPr xmlns:mc="http://schemas.openxmlformats.org/markup-compatibility/2006" xmlns:hp="http://schemas.haansoft.com/office/presentation/8.0" kumimoji="0" lang="en-US" altLang="ko-KR" sz="1500" b="0" i="0" u="none" strike="noStrike" kern="0" cap="none" spc="0" normalizeH="0" baseline="0" mc:Ignorable="hp" hp:hslEmbossed="0">
+                <a:solidFill>
+                  <a:srgbClr val="343a40"/>
+                </a:solidFill>
+                <a:latin typeface="Lato"/>
+                <a:ea typeface="Lato"/>
+                <a:cs typeface="Lato"/>
+                <a:sym typeface="Lato"/>
+              </a:rPr>
+              <a:t>-</a:t>
+            </a:r>
+            <a:r>
+              <a:rPr xmlns:mc="http://schemas.openxmlformats.org/markup-compatibility/2006" xmlns:hp="http://schemas.haansoft.com/office/presentation/8.0" kumimoji="0" lang="ko-KR" altLang="en-US" sz="1500" b="0" i="0" u="none" strike="noStrike" kern="0" cap="none" spc="0" normalizeH="0" baseline="0" mc:Ignorable="hp" hp:hslEmbossed="0">
+                <a:solidFill>
+                  <a:srgbClr val="343a40"/>
+                </a:solidFill>
+                <a:latin typeface="Lato"/>
+                <a:ea typeface="Lato"/>
+                <a:cs typeface="Lato"/>
+                <a:sym typeface="Lato"/>
+              </a:rPr>
+              <a:t> 미션 시스템</a:t>
+            </a:r>
+            <a:r>
+              <a:rPr xmlns:mc="http://schemas.openxmlformats.org/markup-compatibility/2006" xmlns:hp="http://schemas.haansoft.com/office/presentation/8.0" kumimoji="0" lang="en-US" altLang="ko-KR" sz="1500" b="0" i="0" u="none" strike="noStrike" kern="0" cap="none" spc="0" normalizeH="0" baseline="0" mc:Ignorable="hp" hp:hslEmbossed="0">
+                <a:solidFill>
+                  <a:srgbClr val="343a40"/>
+                </a:solidFill>
+                <a:latin typeface="Lato"/>
+                <a:ea typeface="Lato"/>
+                <a:cs typeface="Lato"/>
+                <a:sym typeface="Lato"/>
+              </a:rPr>
+              <a:t>,</a:t>
+            </a:r>
+            <a:r>
+              <a:rPr xmlns:mc="http://schemas.openxmlformats.org/markup-compatibility/2006" xmlns:hp="http://schemas.haansoft.com/office/presentation/8.0" kumimoji="0" lang="ko-KR" altLang="en-US" sz="1500" b="0" i="0" u="none" strike="noStrike" kern="0" cap="none" spc="0" normalizeH="0" baseline="0" mc:Ignorable="hp" hp:hslEmbossed="0">
+                <a:solidFill>
+                  <a:srgbClr val="343a40"/>
+                </a:solidFill>
+                <a:latin typeface="Lato"/>
+                <a:ea typeface="Lato"/>
+                <a:cs typeface="Lato"/>
+                <a:sym typeface="Lato"/>
+              </a:rPr>
+              <a:t> 연계기 추가</a:t>
             </a:r>
             <a:endParaRPr xmlns:mc="http://schemas.openxmlformats.org/markup-compatibility/2006" xmlns:hp="http://schemas.haansoft.com/office/presentation/8.0" kumimoji="0" lang="ko-KR" altLang="en-US" sz="1500" b="0" i="0" u="none" strike="noStrike" kern="0" cap="none" spc="0" normalizeH="0" baseline="0" mc:Ignorable="hp" hp:hslEmbossed="0">
               <a:solidFill>
@@ -8426,6 +8426,117 @@
                 <a:cs typeface="Lato"/>
                 <a:sym typeface="Lato"/>
               </a:rPr>
+              <a:t> 클라이언트 간 싱크 조절</a:t>
+            </a:r>
+            <a:endParaRPr xmlns:mc="http://schemas.openxmlformats.org/markup-compatibility/2006" xmlns:hp="http://schemas.haansoft.com/office/presentation/8.0" kumimoji="0" lang="en-US" altLang="ko-KR" sz="1500" b="1" i="0" u="none" strike="noStrike" kern="0" cap="none" spc="0" normalizeH="0" baseline="0" mc:Ignorable="hp" hp:hslEmbossed="0">
+              <a:solidFill>
+                <a:srgbClr val="343a40"/>
+              </a:solidFill>
+              <a:latin typeface="Lato"/>
+              <a:ea typeface="Lato"/>
+              <a:cs typeface="Lato"/>
+              <a:sym typeface="Lato"/>
+            </a:endParaRPr>
+          </a:p>
+          <a:p>
+            <a:pPr marL="0" marR="0" lvl="0" indent="0" algn="l" rtl="0" eaLnBrk="1" latinLnBrk="0" hangingPunct="1">
+              <a:lnSpc>
+                <a:spcPct val="100000"/>
+              </a:lnSpc>
+              <a:spcBef>
+                <a:spcPts val="600"/>
+              </a:spcBef>
+              <a:spcAft>
+                <a:spcPts val="0"/>
+              </a:spcAft>
+              <a:buClr>
+                <a:srgbClr val="000000"/>
+              </a:buClr>
+              <a:buFont typeface="Arial"/>
+              <a:buFontTx/>
+              <a:buNone/>
+              <a:defRPr/>
+            </a:pPr>
+            <a:endParaRPr xmlns:mc="http://schemas.openxmlformats.org/markup-compatibility/2006" xmlns:hp="http://schemas.haansoft.com/office/presentation/8.0" kumimoji="0" lang="en-US" altLang="ko-KR" sz="1500" b="1" i="0" u="none" strike="noStrike" kern="0" cap="none" spc="0" normalizeH="0" baseline="0" mc:Ignorable="hp" hp:hslEmbossed="0">
+              <a:solidFill>
+                <a:srgbClr val="343a40"/>
+              </a:solidFill>
+              <a:latin typeface="Lato"/>
+              <a:ea typeface="Lato"/>
+              <a:cs typeface="Lato"/>
+              <a:sym typeface="Lato"/>
+            </a:endParaRPr>
+          </a:p>
+          <a:p>
+            <a:pPr marL="0" marR="0" lvl="0" indent="0" algn="l" rtl="0" eaLnBrk="1" latinLnBrk="0" hangingPunct="1">
+              <a:lnSpc>
+                <a:spcPct val="100000"/>
+              </a:lnSpc>
+              <a:spcBef>
+                <a:spcPts val="600"/>
+              </a:spcBef>
+              <a:spcAft>
+                <a:spcPts val="0"/>
+              </a:spcAft>
+              <a:buClr>
+                <a:srgbClr val="000000"/>
+              </a:buClr>
+              <a:buFont typeface="Arial"/>
+              <a:buFontTx/>
+              <a:buNone/>
+              <a:defRPr/>
+            </a:pPr>
+            <a:endParaRPr xmlns:mc="http://schemas.openxmlformats.org/markup-compatibility/2006" xmlns:hp="http://schemas.haansoft.com/office/presentation/8.0" kumimoji="0" lang="en-US" altLang="ko-KR" sz="1500" b="1" i="0" u="none" strike="noStrike" kern="0" cap="none" spc="0" normalizeH="0" baseline="0" mc:Ignorable="hp" hp:hslEmbossed="0">
+              <a:solidFill>
+                <a:srgbClr val="343a40"/>
+              </a:solidFill>
+              <a:latin typeface="Lato"/>
+              <a:ea typeface="Lato"/>
+              <a:cs typeface="Lato"/>
+              <a:sym typeface="Lato"/>
+            </a:endParaRPr>
+          </a:p>
+          <a:p>
+            <a:pPr marL="0" marR="0" lvl="0" indent="0" algn="l" rtl="0" eaLnBrk="1" latinLnBrk="0" hangingPunct="1">
+              <a:lnSpc>
+                <a:spcPct val="100000"/>
+              </a:lnSpc>
+              <a:spcBef>
+                <a:spcPts val="600"/>
+              </a:spcBef>
+              <a:spcAft>
+                <a:spcPts val="0"/>
+              </a:spcAft>
+              <a:buClr>
+                <a:srgbClr val="000000"/>
+              </a:buClr>
+              <a:buFont typeface="Arial"/>
+              <a:buFontTx/>
+              <a:buNone/>
+              <a:defRPr/>
+            </a:pPr>
+            <a:r>
+              <a:rPr xmlns:mc="http://schemas.openxmlformats.org/markup-compatibility/2006" xmlns:hp="http://schemas.haansoft.com/office/presentation/8.0" kumimoji="0" lang="en-US" altLang="ko-KR" sz="1500" b="1" i="0" u="none" strike="noStrike" kern="0" cap="none" spc="0" normalizeH="0" baseline="0" mc:Ignorable="hp" hp:hslEmbossed="0">
+                <a:solidFill>
+                  <a:srgbClr val="343a40"/>
+                </a:solidFill>
+                <a:latin typeface="Lato"/>
+                <a:ea typeface="Lato"/>
+                <a:cs typeface="Lato"/>
+                <a:sym typeface="Lato"/>
+              </a:rPr>
+              <a:t>-</a:t>
+            </a:r>
+            <a:r>
+              <a:rPr xmlns:mc="http://schemas.openxmlformats.org/markup-compatibility/2006" xmlns:hp="http://schemas.haansoft.com/office/presentation/8.0" kumimoji="0" lang="ko-KR" altLang="en-US" sz="1500" b="1" i="0" u="none" strike="noStrike" kern="0" cap="none" spc="0" normalizeH="0" baseline="0" mc:Ignorable="hp" hp:hslEmbossed="0">
+                <a:solidFill>
+                  <a:srgbClr val="343a40"/>
+                </a:solidFill>
+                <a:latin typeface="Lato"/>
+                <a:ea typeface="Lato"/>
+                <a:cs typeface="Lato"/>
+                <a:sym typeface="Lato"/>
+              </a:rPr>
               <a:t> 게임 컨텐츠 연동</a:t>
             </a:r>
             <a:endParaRPr xmlns:mc="http://schemas.openxmlformats.org/markup-compatibility/2006" xmlns:hp="http://schemas.haansoft.com/office/presentation/8.0" kumimoji="0" lang="ko-KR" altLang="en-US" sz="1500" b="1" i="0" u="none" strike="noStrike" kern="0" cap="none" spc="0" normalizeH="0" baseline="0" mc:Ignorable="hp" hp:hslEmbossed="0">
@@ -8686,31 +8797,7 @@
               <a:buNone/>
               <a:defRPr/>
             </a:pPr>
-            <a:r>
-              <a:rPr xmlns:mc="http://schemas.openxmlformats.org/markup-compatibility/2006" xmlns:hp="http://schemas.haansoft.com/office/presentation/8.0" kumimoji="0" lang="en-US" altLang="ko-KR" sz="1500" b="1" i="0" u="none" strike="noStrike" kern="0" cap="none" spc="0" normalizeH="0" baseline="0" mc:Ignorable="hp" hp:hslEmbossed="0">
-                <a:solidFill>
-                  <a:srgbClr val="343a40"/>
-                </a:solidFill>
-                <a:latin typeface="Lato"/>
-                <a:ea typeface="Lato"/>
-                <a:cs typeface="Lato"/>
-                <a:sym typeface="Lato"/>
-              </a:rPr>
-              <a:t>-</a:t>
-            </a:r>
-            <a:r>
-              <a:rPr xmlns:mc="http://schemas.openxmlformats.org/markup-compatibility/2006" xmlns:hp="http://schemas.haansoft.com/office/presentation/8.0" kumimoji="0" lang="ko-KR" altLang="en-US" sz="1500" b="1" i="0" u="none" strike="noStrike" kern="0" cap="none" spc="0" normalizeH="0" baseline="0" mc:Ignorable="hp" hp:hslEmbossed="0">
-                <a:solidFill>
-                  <a:srgbClr val="343a40"/>
-                </a:solidFill>
-                <a:latin typeface="Lato"/>
-                <a:ea typeface="Lato"/>
-                <a:cs typeface="Lato"/>
-                <a:sym typeface="Lato"/>
-              </a:rPr>
-              <a:t> 클라이언트 간 싱크 조절</a:t>
-            </a:r>
-            <a:endParaRPr xmlns:mc="http://schemas.openxmlformats.org/markup-compatibility/2006" xmlns:hp="http://schemas.haansoft.com/office/presentation/8.0" kumimoji="0" lang="ko-KR" altLang="en-US" sz="1500" b="1" i="0" u="none" strike="noStrike" kern="0" cap="none" spc="0" normalizeH="0" baseline="0" mc:Ignorable="hp" hp:hslEmbossed="0">
+            <a:endParaRPr xmlns:mc="http://schemas.openxmlformats.org/markup-compatibility/2006" xmlns:hp="http://schemas.haansoft.com/office/presentation/8.0" kumimoji="0" lang="ko-KR" altLang="en-US" sz="1500" b="0" i="0" u="none" strike="noStrike" kern="0" cap="none" spc="0" normalizeH="0" baseline="0" mc:Ignorable="hp" hp:hslEmbossed="0">
               <a:solidFill>
                 <a:srgbClr val="343a40"/>
               </a:solidFill>
